--- a/Lluvia de diamantes2.0.pptx
+++ b/Lluvia de diamantes2.0.pptx
@@ -107,6 +107,11 @@
       </a:defRPr>
     </a:lvl9pPr>
   </p:defaultTextStyle>
+  <p:extLst>
+    <p:ext uri="{EFAFB233-063F-42B5-8137-9DF3F51BA10A}">
+      <p15:sldGuideLst xmlns:p15="http://schemas.microsoft.com/office/powerpoint/2012/main"/>
+    </p:ext>
+  </p:extLst>
 </p:presentation>
 </file>
 
@@ -6503,9 +6508,10 @@
           <a:bodyPr/>
           <a:lstStyle/>
           <a:p>
-            <a:r>
-              <a:rPr lang="es-ES" dirty="0" err="1" smtClean="0"/>
-              <a:t>Conclusion</a:t>
+            <a:pPr algn="ctr"/>
+            <a:r>
+              <a:rPr lang="es-ES" dirty="0" smtClean="0"/>
+              <a:t>Conclusión</a:t>
             </a:r>
             <a:endParaRPr lang="es-CL" dirty="0"/>
           </a:p>
@@ -6526,7 +6532,19 @@
           <a:bodyPr/>
           <a:lstStyle/>
           <a:p>
-            <a:endParaRPr lang="es-CL"/>
+            <a:r>
+              <a:rPr lang="es-ES" dirty="0" smtClean="0"/>
+              <a:t>En el trabajo se  nos hizo mas fácil ya que github se publicaban los cambios y los demás integrantes se motivaban hacer el trabajo, pero muchas veces teníamos conflicto para subir los cambios ya que </a:t>
+            </a:r>
+            <a:r>
+              <a:rPr lang="es-ES" smtClean="0"/>
+              <a:t>dos integrantes </a:t>
+            </a:r>
+            <a:r>
+              <a:rPr lang="es-ES" dirty="0" smtClean="0"/>
+              <a:t>trabajaban en la misma ventana de un jsp y chocaban los cambios.</a:t>
+            </a:r>
+            <a:endParaRPr lang="es-CL" dirty="0"/>
           </a:p>
         </p:txBody>
       </p:sp>
